--- a/table_saw.pptx
+++ b/table_saw.pptx
@@ -258,7 +258,7 @@
           <a:lstStyle/>
           <a:p>
             <a:fld id="{16286276-9013-2A43-82D1-BA4685C95117}" type="datetimeFigureOut">
-              <a:t>9/20/24</a:t>
+              <a:t>9/21/24</a:t>
             </a:fld>
             <a:endParaRPr lang="en-US"/>
           </a:p>
@@ -454,7 +454,7 @@
           <a:lstStyle/>
           <a:p>
             <a:fld id="{16286276-9013-2A43-82D1-BA4685C95117}" type="datetimeFigureOut">
-              <a:t>9/20/24</a:t>
+              <a:t>9/21/24</a:t>
             </a:fld>
             <a:endParaRPr lang="en-US"/>
           </a:p>
@@ -660,7 +660,7 @@
           <a:lstStyle/>
           <a:p>
             <a:fld id="{16286276-9013-2A43-82D1-BA4685C95117}" type="datetimeFigureOut">
-              <a:t>9/20/24</a:t>
+              <a:t>9/21/24</a:t>
             </a:fld>
             <a:endParaRPr lang="en-US"/>
           </a:p>
@@ -856,7 +856,7 @@
           <a:lstStyle/>
           <a:p>
             <a:fld id="{16286276-9013-2A43-82D1-BA4685C95117}" type="datetimeFigureOut">
-              <a:t>9/20/24</a:t>
+              <a:t>9/21/24</a:t>
             </a:fld>
             <a:endParaRPr lang="en-US"/>
           </a:p>
@@ -1129,7 +1129,7 @@
           <a:lstStyle/>
           <a:p>
             <a:fld id="{16286276-9013-2A43-82D1-BA4685C95117}" type="datetimeFigureOut">
-              <a:t>9/20/24</a:t>
+              <a:t>9/21/24</a:t>
             </a:fld>
             <a:endParaRPr lang="en-US"/>
           </a:p>
@@ -1392,7 +1392,7 @@
           <a:lstStyle/>
           <a:p>
             <a:fld id="{16286276-9013-2A43-82D1-BA4685C95117}" type="datetimeFigureOut">
-              <a:t>9/20/24</a:t>
+              <a:t>9/21/24</a:t>
             </a:fld>
             <a:endParaRPr lang="en-US"/>
           </a:p>
@@ -1802,7 +1802,7 @@
           <a:lstStyle/>
           <a:p>
             <a:fld id="{16286276-9013-2A43-82D1-BA4685C95117}" type="datetimeFigureOut">
-              <a:t>9/20/24</a:t>
+              <a:t>9/21/24</a:t>
             </a:fld>
             <a:endParaRPr lang="en-US"/>
           </a:p>
@@ -1941,7 +1941,7 @@
           <a:lstStyle/>
           <a:p>
             <a:fld id="{16286276-9013-2A43-82D1-BA4685C95117}" type="datetimeFigureOut">
-              <a:t>9/20/24</a:t>
+              <a:t>9/21/24</a:t>
             </a:fld>
             <a:endParaRPr lang="en-US"/>
           </a:p>
@@ -2052,7 +2052,7 @@
           <a:lstStyle/>
           <a:p>
             <a:fld id="{16286276-9013-2A43-82D1-BA4685C95117}" type="datetimeFigureOut">
-              <a:t>9/20/24</a:t>
+              <a:t>9/21/24</a:t>
             </a:fld>
             <a:endParaRPr lang="en-US"/>
           </a:p>
@@ -2361,7 +2361,7 @@
           <a:lstStyle/>
           <a:p>
             <a:fld id="{16286276-9013-2A43-82D1-BA4685C95117}" type="datetimeFigureOut">
-              <a:t>9/20/24</a:t>
+              <a:t>9/21/24</a:t>
             </a:fld>
             <a:endParaRPr lang="en-US"/>
           </a:p>
@@ -2647,7 +2647,7 @@
           <a:lstStyle/>
           <a:p>
             <a:fld id="{16286276-9013-2A43-82D1-BA4685C95117}" type="datetimeFigureOut">
-              <a:t>9/20/24</a:t>
+              <a:t>9/21/24</a:t>
             </a:fld>
             <a:endParaRPr lang="en-US"/>
           </a:p>
@@ -2886,7 +2886,7 @@
           </a:lstStyle>
           <a:p>
             <a:fld id="{16286276-9013-2A43-82D1-BA4685C95117}" type="datetimeFigureOut">
-              <a:t>9/20/24</a:t>
+              <a:t>9/21/24</a:t>
             </a:fld>
             <a:endParaRPr lang="en-US"/>
           </a:p>
@@ -3358,7 +3358,7 @@
         </p:nvSpPr>
         <p:spPr>
           <a:xfrm>
-            <a:off x="268014" y="982037"/>
+            <a:off x="8857825" y="5155258"/>
             <a:ext cx="2443655" cy="307777"/>
           </a:xfrm>
           <a:prstGeom prst="rect">
@@ -3414,13 +3414,18 @@
         </p:blipFill>
         <p:spPr bwMode="auto">
           <a:xfrm>
-            <a:off x="2856186" y="433221"/>
-            <a:ext cx="2304421" cy="1290476"/>
+            <a:off x="7670338" y="5674255"/>
+            <a:ext cx="2113826" cy="1183743"/>
           </a:xfrm>
           <a:prstGeom prst="rect">
             <a:avLst/>
           </a:prstGeom>
           <a:noFill/>
+          <a:ln>
+            <a:solidFill>
+              <a:srgbClr val="FF0000"/>
+            </a:solidFill>
+          </a:ln>
           <a:extLst>
             <a:ext uri="{909E8E84-426E-40DD-AFC4-6F175D3DCCD1}">
               <a14:hiddenFill xmlns:a14="http://schemas.microsoft.com/office/drawing/2010/main">
@@ -3446,8 +3451,8 @@
         </p:nvSpPr>
         <p:spPr>
           <a:xfrm>
-            <a:off x="268013" y="3015789"/>
-            <a:ext cx="2443655" cy="738664"/>
+            <a:off x="9696260" y="1791706"/>
+            <a:ext cx="2309207" cy="1169551"/>
           </a:xfrm>
           <a:prstGeom prst="rect">
             <a:avLst/>
@@ -3472,6 +3477,13 @@
               <a:t>DEWALT</a:t>
             </a:r>
             <a:r>
+              <a:rPr lang="en-US" sz="1400" i="0" dirty="0">
+                <a:effectLst/>
+                <a:latin typeface="Amazon Ember"/>
+              </a:rPr>
+              <a:t> 60V MAX Table Saw</a:t>
+            </a:r>
+            <a:r>
               <a:rPr lang="en-US" sz="1400" b="0" i="0" dirty="0">
                 <a:solidFill>
                   <a:srgbClr val="0F1111"/>
@@ -3479,17 +3491,50 @@
                 <a:effectLst/>
                 <a:latin typeface="Amazon Ember"/>
               </a:rPr>
-              <a:t> Table Saw for Jobsites, 8-1/4 Inch, 15 Amp (DWE7485)</a:t>
+              <a:t> DCS7485T1-EB </a:t>
+            </a:r>
+          </a:p>
+          <a:p>
+            <a:r>
+              <a:rPr lang="en-US" sz="1400" b="0" i="0" dirty="0">
+                <a:solidFill>
+                  <a:srgbClr val="0F1111"/>
+                </a:solidFill>
+                <a:effectLst/>
+                <a:latin typeface="Amazon Ember"/>
+              </a:rPr>
+              <a:t>8-1/4-Inch</a:t>
+            </a:r>
+            <a:r>
+              <a:rPr lang="en-US" sz="1400" dirty="0">
+                <a:solidFill>
+                  <a:srgbClr val="0F1111"/>
+                </a:solidFill>
+                <a:latin typeface="Amazon Ember"/>
+              </a:rPr>
+              <a:t> blade</a:t>
+            </a:r>
+          </a:p>
+          <a:p>
+            <a:r>
+              <a:rPr lang="en-US" sz="1400" b="0" i="0" dirty="0">
+                <a:solidFill>
+                  <a:srgbClr val="0F1111"/>
+                </a:solidFill>
+                <a:effectLst/>
+                <a:latin typeface="Amazon Ember"/>
+              </a:rPr>
+              <a:t>$420 on amazon (batteries and charger sold separately)</a:t>
             </a:r>
           </a:p>
         </p:txBody>
       </p:sp>
       <p:pic>
         <p:nvPicPr>
-          <p:cNvPr id="7" name="Picture 6">
-            <a:extLst>
-              <a:ext uri="{FF2B5EF4-FFF2-40B4-BE49-F238E27FC236}">
-                <a16:creationId xmlns:a16="http://schemas.microsoft.com/office/drawing/2014/main" id="{8E3F5BDB-F7A4-A1F1-F558-BBDEB4FD0CD9}"/>
+          <p:cNvPr id="8" name="Picture 7">
+            <a:extLst>
+              <a:ext uri="{FF2B5EF4-FFF2-40B4-BE49-F238E27FC236}">
+                <a16:creationId xmlns:a16="http://schemas.microsoft.com/office/drawing/2014/main" id="{F283EFDD-E87B-1604-77D3-84F5E75D4927}"/>
               </a:ext>
             </a:extLst>
           </p:cNvPr>
@@ -3512,48 +3557,17 @@
         </p:blipFill>
         <p:spPr>
           <a:xfrm>
-            <a:off x="2856186" y="1992236"/>
-            <a:ext cx="3160986" cy="2212690"/>
-          </a:xfrm>
-          <a:prstGeom prst="rect">
-            <a:avLst/>
-          </a:prstGeom>
-        </p:spPr>
-      </p:pic>
-      <p:pic>
-        <p:nvPicPr>
-          <p:cNvPr id="8" name="Picture 7">
-            <a:extLst>
-              <a:ext uri="{FF2B5EF4-FFF2-40B4-BE49-F238E27FC236}">
-                <a16:creationId xmlns:a16="http://schemas.microsoft.com/office/drawing/2014/main" id="{F283EFDD-E87B-1604-77D3-84F5E75D4927}"/>
-              </a:ext>
-            </a:extLst>
-          </p:cNvPr>
-          <p:cNvPicPr>
-            <a:picLocks noChangeAspect="1"/>
-          </p:cNvPicPr>
-          <p:nvPr/>
-        </p:nvPicPr>
-        <p:blipFill>
-          <a:blip r:embed="rId4" cstate="email">
-            <a:extLst>
-              <a:ext uri="{28A0092B-C50C-407E-A947-70E740481C1C}">
-                <a14:useLocalDpi xmlns:a14="http://schemas.microsoft.com/office/drawing/2010/main"/>
-              </a:ext>
-            </a:extLst>
-          </a:blip>
-          <a:stretch>
-            <a:fillRect/>
-          </a:stretch>
-        </p:blipFill>
-        <p:spPr>
-          <a:xfrm>
-            <a:off x="3111061" y="4473465"/>
+            <a:off x="2694601" y="4509550"/>
             <a:ext cx="2711670" cy="1906970"/>
           </a:xfrm>
           <a:prstGeom prst="rect">
             <a:avLst/>
           </a:prstGeom>
+          <a:ln>
+            <a:solidFill>
+              <a:srgbClr val="FF0000"/>
+            </a:solidFill>
+          </a:ln>
         </p:spPr>
       </p:pic>
       <p:sp>
@@ -3570,8 +3584,8 @@
         </p:nvSpPr>
         <p:spPr>
           <a:xfrm>
-            <a:off x="412531" y="5134304"/>
-            <a:ext cx="2443655" cy="523220"/>
+            <a:off x="186531" y="5309146"/>
+            <a:ext cx="2443655" cy="738664"/>
           </a:xfrm>
           <a:prstGeom prst="rect">
             <a:avLst/>
@@ -3606,6 +3620,25 @@
               <a:t> CTS-120A60 Compact Table Saw - 15A,120V,60Hz</a:t>
             </a:r>
           </a:p>
+          <a:p>
+            <a:pPr algn="l"/>
+            <a:r>
+              <a:rPr lang="en-US" sz="1400" dirty="0">
+                <a:solidFill>
+                  <a:srgbClr val="0F1111"/>
+                </a:solidFill>
+                <a:latin typeface="Amazon Ember"/>
+              </a:rPr>
+              <a:t>$900 on amazon</a:t>
+            </a:r>
+            <a:endParaRPr lang="en-US" sz="1400" b="0" i="0" dirty="0">
+              <a:solidFill>
+                <a:srgbClr val="0F1111"/>
+              </a:solidFill>
+              <a:effectLst/>
+              <a:latin typeface="Amazon Ember"/>
+            </a:endParaRPr>
+          </a:p>
         </p:txBody>
       </p:sp>
       <p:pic>
@@ -3623,7 +3656,7 @@
           <p:nvPr/>
         </p:nvPicPr>
         <p:blipFill>
-          <a:blip r:embed="rId5">
+          <a:blip r:embed="rId4" cstate="email">
             <a:extLst>
               <a:ext uri="{28A0092B-C50C-407E-A947-70E740481C1C}">
                 <a14:useLocalDpi xmlns:a14="http://schemas.microsoft.com/office/drawing/2010/main"/>
@@ -3637,13 +3670,18 @@
         </p:blipFill>
         <p:spPr bwMode="auto">
           <a:xfrm>
-            <a:off x="7780940" y="176267"/>
-            <a:ext cx="3924300" cy="2070100"/>
+            <a:off x="9930569" y="5674256"/>
+            <a:ext cx="2244028" cy="1183743"/>
           </a:xfrm>
           <a:prstGeom prst="rect">
             <a:avLst/>
           </a:prstGeom>
           <a:noFill/>
+          <a:ln>
+            <a:solidFill>
+              <a:srgbClr val="FF0000"/>
+            </a:solidFill>
+          </a:ln>
           <a:extLst>
             <a:ext uri="{909E8E84-426E-40DD-AFC4-6F175D3DCCD1}">
               <a14:hiddenFill xmlns:a14="http://schemas.microsoft.com/office/drawing/2010/main">
@@ -3653,6 +3691,191 @@
               </a14:hiddenFill>
             </a:ext>
           </a:extLst>
+        </p:spPr>
+      </p:pic>
+      <p:sp>
+        <p:nvSpPr>
+          <p:cNvPr id="2" name="TextBox 1">
+            <a:extLst>
+              <a:ext uri="{FF2B5EF4-FFF2-40B4-BE49-F238E27FC236}">
+                <a16:creationId xmlns:a16="http://schemas.microsoft.com/office/drawing/2014/main" id="{BDA89803-5429-3968-2DA0-5D061F9B3111}"/>
+              </a:ext>
+            </a:extLst>
+          </p:cNvPr>
+          <p:cNvSpPr txBox="1"/>
+          <p:nvPr/>
+        </p:nvSpPr>
+        <p:spPr>
+          <a:xfrm>
+            <a:off x="186532" y="812759"/>
+            <a:ext cx="2443655" cy="954107"/>
+          </a:xfrm>
+          <a:prstGeom prst="rect">
+            <a:avLst/>
+          </a:prstGeom>
+          <a:noFill/>
+        </p:spPr>
+        <p:txBody>
+          <a:bodyPr wrap="square" rtlCol="0">
+            <a:spAutoFit/>
+          </a:bodyPr>
+          <a:lstStyle/>
+          <a:p>
+            <a:pPr algn="l"/>
+            <a:r>
+              <a:rPr lang="en-US" sz="1400" b="1" i="0" dirty="0">
+                <a:solidFill>
+                  <a:srgbClr val="FF0000"/>
+                </a:solidFill>
+                <a:effectLst/>
+                <a:latin typeface="Amazon Ember"/>
+              </a:rPr>
+              <a:t>DEWALT</a:t>
+            </a:r>
+            <a:r>
+              <a:rPr lang="en-US" sz="1400" b="0" i="0" dirty="0">
+                <a:solidFill>
+                  <a:srgbClr val="0F1111"/>
+                </a:solidFill>
+                <a:effectLst/>
+                <a:latin typeface="Amazon Ember"/>
+              </a:rPr>
+              <a:t> DWE7491RS</a:t>
+            </a:r>
+          </a:p>
+          <a:p>
+            <a:pPr algn="l"/>
+            <a:r>
+              <a:rPr lang="en-US" sz="1400" b="0" i="0" dirty="0">
+                <a:solidFill>
+                  <a:srgbClr val="0F1111"/>
+                </a:solidFill>
+                <a:effectLst/>
+                <a:latin typeface="Amazon Ember"/>
+              </a:rPr>
+              <a:t>10-Inch Table Saw, </a:t>
+            </a:r>
+            <a:br>
+              <a:rPr lang="en-US" sz="1400" b="0" i="0" dirty="0">
+                <a:solidFill>
+                  <a:srgbClr val="0F1111"/>
+                </a:solidFill>
+                <a:effectLst/>
+                <a:latin typeface="Amazon Ember"/>
+              </a:rPr>
+            </a:br>
+            <a:r>
+              <a:rPr lang="en-US" sz="1400" b="0" i="0" dirty="0">
+                <a:solidFill>
+                  <a:srgbClr val="0F1111"/>
+                </a:solidFill>
+                <a:effectLst/>
+                <a:latin typeface="Amazon Ember"/>
+              </a:rPr>
+              <a:t>32-1/2-Inch Rip Capacity</a:t>
+            </a:r>
+          </a:p>
+          <a:p>
+            <a:pPr algn="l"/>
+            <a:r>
+              <a:rPr lang="en-US" sz="1400" dirty="0">
+                <a:solidFill>
+                  <a:srgbClr val="0F1111"/>
+                </a:solidFill>
+                <a:latin typeface="Amazon Ember"/>
+              </a:rPr>
+              <a:t>$550 on amazon</a:t>
+            </a:r>
+            <a:endParaRPr lang="en-US" sz="1400" b="0" i="0" dirty="0">
+              <a:solidFill>
+                <a:srgbClr val="0F1111"/>
+              </a:solidFill>
+              <a:effectLst/>
+              <a:latin typeface="Amazon Ember"/>
+            </a:endParaRPr>
+          </a:p>
+        </p:txBody>
+      </p:sp>
+      <p:pic>
+        <p:nvPicPr>
+          <p:cNvPr id="4" name="Picture 3">
+            <a:extLst>
+              <a:ext uri="{FF2B5EF4-FFF2-40B4-BE49-F238E27FC236}">
+                <a16:creationId xmlns:a16="http://schemas.microsoft.com/office/drawing/2014/main" id="{9B5613E5-6658-CBC8-5672-0D0CEECFDC72}"/>
+              </a:ext>
+            </a:extLst>
+          </p:cNvPr>
+          <p:cNvPicPr>
+            <a:picLocks noChangeAspect="1"/>
+          </p:cNvPicPr>
+          <p:nvPr/>
+        </p:nvPicPr>
+        <p:blipFill>
+          <a:blip r:embed="rId5" cstate="email">
+            <a:extLst>
+              <a:ext uri="{28A0092B-C50C-407E-A947-70E740481C1C}">
+                <a14:useLocalDpi xmlns:a14="http://schemas.microsoft.com/office/drawing/2010/main"/>
+              </a:ext>
+            </a:extLst>
+          </a:blip>
+          <a:stretch>
+            <a:fillRect/>
+          </a:stretch>
+        </p:blipFill>
+        <p:spPr>
+          <a:xfrm>
+            <a:off x="2248053" y="90955"/>
+            <a:ext cx="4170853" cy="3972634"/>
+          </a:xfrm>
+          <a:prstGeom prst="rect">
+            <a:avLst/>
+          </a:prstGeom>
+          <a:ln>
+            <a:solidFill>
+              <a:srgbClr val="FF0000"/>
+            </a:solidFill>
+          </a:ln>
+        </p:spPr>
+      </p:pic>
+      <p:pic>
+        <p:nvPicPr>
+          <p:cNvPr id="5" name="Picture 4">
+            <a:extLst>
+              <a:ext uri="{FF2B5EF4-FFF2-40B4-BE49-F238E27FC236}">
+                <a16:creationId xmlns:a16="http://schemas.microsoft.com/office/drawing/2014/main" id="{9B85F90B-F6F4-91B4-84A4-4753FE3137EC}"/>
+              </a:ext>
+            </a:extLst>
+          </p:cNvPr>
+          <p:cNvPicPr>
+            <a:picLocks noChangeAspect="1"/>
+          </p:cNvPicPr>
+          <p:nvPr/>
+        </p:nvPicPr>
+        <p:blipFill>
+          <a:blip r:embed="rId6" cstate="email">
+            <a:extLst>
+              <a:ext uri="{28A0092B-C50C-407E-A947-70E740481C1C}">
+                <a14:useLocalDpi xmlns:a14="http://schemas.microsoft.com/office/drawing/2010/main"/>
+              </a:ext>
+            </a:extLst>
+          </a:blip>
+          <a:stretch>
+            <a:fillRect/>
+          </a:stretch>
+        </p:blipFill>
+        <p:spPr>
+          <a:xfrm>
+            <a:off x="9784163" y="90955"/>
+            <a:ext cx="2221303" cy="1636022"/>
+          </a:xfrm>
+          <a:prstGeom prst="rect">
+            <a:avLst/>
+          </a:prstGeom>
+          <a:ln>
+            <a:solidFill>
+              <a:srgbClr val="FF0000"/>
+            </a:solidFill>
+          </a:ln>
         </p:spPr>
       </p:pic>
     </p:spTree>
